--- a/Pemograman Dasar.pptx
+++ b/Pemograman Dasar.pptx
@@ -7,12 +7,13 @@
   <p:sldIdLst>
     <p:sldId id="256" r:id="rId2"/>
     <p:sldId id="258" r:id="rId3"/>
-    <p:sldId id="257" r:id="rId4"/>
-    <p:sldId id="261" r:id="rId5"/>
-    <p:sldId id="259" r:id="rId6"/>
-    <p:sldId id="262" r:id="rId7"/>
-    <p:sldId id="260" r:id="rId8"/>
-    <p:sldId id="263" r:id="rId9"/>
+    <p:sldId id="264" r:id="rId4"/>
+    <p:sldId id="257" r:id="rId5"/>
+    <p:sldId id="261" r:id="rId6"/>
+    <p:sldId id="259" r:id="rId7"/>
+    <p:sldId id="262" r:id="rId8"/>
+    <p:sldId id="260" r:id="rId9"/>
+    <p:sldId id="263" r:id="rId10"/>
   </p:sldIdLst>
   <p:sldSz cx="12192000" cy="6858000"/>
   <p:notesSz cx="6858000" cy="9144000"/>
@@ -111,6 +112,11 @@
       </a:defRPr>
     </a:lvl9pPr>
   </p:defaultTextStyle>
+  <p:extLst>
+    <p:ext uri="{EFAFB233-063F-42B5-8137-9DF3F51BA10A}">
+      <p15:sldGuideLst xmlns:p15="http://schemas.microsoft.com/office/powerpoint/2012/main"/>
+    </p:ext>
+  </p:extLst>
 </p:presentation>
 </file>
 
@@ -261,7 +267,7 @@
           <a:p>
             <a:fld id="{8233B76B-9720-4337-AFAD-1F5958676D6D}" type="datetimeFigureOut">
               <a:rPr lang="en-US" smtClean="0"/>
-              <a:t>3/13/2024</a:t>
+              <a:t>3/14/2024</a:t>
             </a:fld>
             <a:endParaRPr lang="en-US"/>
           </a:p>
@@ -459,7 +465,7 @@
           <a:p>
             <a:fld id="{8233B76B-9720-4337-AFAD-1F5958676D6D}" type="datetimeFigureOut">
               <a:rPr lang="en-US" smtClean="0"/>
-              <a:t>3/13/2024</a:t>
+              <a:t>3/14/2024</a:t>
             </a:fld>
             <a:endParaRPr lang="en-US"/>
           </a:p>
@@ -667,7 +673,7 @@
           <a:p>
             <a:fld id="{8233B76B-9720-4337-AFAD-1F5958676D6D}" type="datetimeFigureOut">
               <a:rPr lang="en-US" smtClean="0"/>
-              <a:t>3/13/2024</a:t>
+              <a:t>3/14/2024</a:t>
             </a:fld>
             <a:endParaRPr lang="en-US"/>
           </a:p>
@@ -865,7 +871,7 @@
           <a:p>
             <a:fld id="{8233B76B-9720-4337-AFAD-1F5958676D6D}" type="datetimeFigureOut">
               <a:rPr lang="en-US" smtClean="0"/>
-              <a:t>3/13/2024</a:t>
+              <a:t>3/14/2024</a:t>
             </a:fld>
             <a:endParaRPr lang="en-US"/>
           </a:p>
@@ -1140,7 +1146,7 @@
           <a:p>
             <a:fld id="{8233B76B-9720-4337-AFAD-1F5958676D6D}" type="datetimeFigureOut">
               <a:rPr lang="en-US" smtClean="0"/>
-              <a:t>3/13/2024</a:t>
+              <a:t>3/14/2024</a:t>
             </a:fld>
             <a:endParaRPr lang="en-US"/>
           </a:p>
@@ -1405,7 +1411,7 @@
           <a:p>
             <a:fld id="{8233B76B-9720-4337-AFAD-1F5958676D6D}" type="datetimeFigureOut">
               <a:rPr lang="en-US" smtClean="0"/>
-              <a:t>3/13/2024</a:t>
+              <a:t>3/14/2024</a:t>
             </a:fld>
             <a:endParaRPr lang="en-US"/>
           </a:p>
@@ -1817,7 +1823,7 @@
           <a:p>
             <a:fld id="{8233B76B-9720-4337-AFAD-1F5958676D6D}" type="datetimeFigureOut">
               <a:rPr lang="en-US" smtClean="0"/>
-              <a:t>3/13/2024</a:t>
+              <a:t>3/14/2024</a:t>
             </a:fld>
             <a:endParaRPr lang="en-US"/>
           </a:p>
@@ -1958,7 +1964,7 @@
           <a:p>
             <a:fld id="{8233B76B-9720-4337-AFAD-1F5958676D6D}" type="datetimeFigureOut">
               <a:rPr lang="en-US" smtClean="0"/>
-              <a:t>3/13/2024</a:t>
+              <a:t>3/14/2024</a:t>
             </a:fld>
             <a:endParaRPr lang="en-US"/>
           </a:p>
@@ -2071,7 +2077,7 @@
           <a:p>
             <a:fld id="{8233B76B-9720-4337-AFAD-1F5958676D6D}" type="datetimeFigureOut">
               <a:rPr lang="en-US" smtClean="0"/>
-              <a:t>3/13/2024</a:t>
+              <a:t>3/14/2024</a:t>
             </a:fld>
             <a:endParaRPr lang="en-US"/>
           </a:p>
@@ -2382,7 +2388,7 @@
           <a:p>
             <a:fld id="{8233B76B-9720-4337-AFAD-1F5958676D6D}" type="datetimeFigureOut">
               <a:rPr lang="en-US" smtClean="0"/>
-              <a:t>3/13/2024</a:t>
+              <a:t>3/14/2024</a:t>
             </a:fld>
             <a:endParaRPr lang="en-US"/>
           </a:p>
@@ -2670,7 +2676,7 @@
           <a:p>
             <a:fld id="{8233B76B-9720-4337-AFAD-1F5958676D6D}" type="datetimeFigureOut">
               <a:rPr lang="en-US" smtClean="0"/>
-              <a:t>3/13/2024</a:t>
+              <a:t>3/14/2024</a:t>
             </a:fld>
             <a:endParaRPr lang="en-US"/>
           </a:p>
@@ -2911,7 +2917,7 @@
           <a:p>
             <a:fld id="{8233B76B-9720-4337-AFAD-1F5958676D6D}" type="datetimeFigureOut">
               <a:rPr lang="en-US" smtClean="0"/>
-              <a:t>3/13/2024</a:t>
+              <a:t>3/14/2024</a:t>
             </a:fld>
             <a:endParaRPr lang="en-US"/>
           </a:p>
@@ -3813,10 +3819,10 @@
       </p:grpSpPr>
       <p:sp>
         <p:nvSpPr>
-          <p:cNvPr id="6" name="TextBox 5">
-            <a:extLst>
-              <a:ext uri="{FF2B5EF4-FFF2-40B4-BE49-F238E27FC236}">
-                <a16:creationId xmlns:a16="http://schemas.microsoft.com/office/drawing/2014/main" id="{85DD23ED-6D25-4D03-B99B-0ED50D5565B5}"/>
+          <p:cNvPr id="2" name="TextBox 1">
+            <a:extLst>
+              <a:ext uri="{FF2B5EF4-FFF2-40B4-BE49-F238E27FC236}">
+                <a16:creationId xmlns:a16="http://schemas.microsoft.com/office/drawing/2014/main" id="{6042EFE4-5FE7-40D9-8077-0DEAE0CBE07B}"/>
               </a:ext>
             </a:extLst>
           </p:cNvPr>
@@ -3825,8 +3831,8 @@
         </p:nvSpPr>
         <p:spPr>
           <a:xfrm>
-            <a:off x="1143000" y="2711509"/>
-            <a:ext cx="9906000" cy="1200329"/>
+            <a:off x="1352550" y="3105834"/>
+            <a:ext cx="9486900" cy="646331"/>
           </a:xfrm>
           <a:prstGeom prst="rect">
             <a:avLst/>
@@ -3839,116 +3845,19 @@
           </a:bodyPr>
           <a:lstStyle/>
           <a:p>
-            <a:pPr algn="just"/>
-            <a:r>
-              <a:rPr lang="en-US" sz="2400" dirty="0"/>
-              <a:t>HTML (Hypertext Markup Language) </a:t>
-            </a:r>
-            <a:r>
-              <a:rPr lang="en-US" sz="2400" dirty="0" err="1"/>
-              <a:t>adalah</a:t>
-            </a:r>
-            <a:r>
-              <a:rPr lang="en-US" sz="2400" dirty="0"/>
-              <a:t> </a:t>
-            </a:r>
-            <a:r>
-              <a:rPr lang="en-US" sz="2400" dirty="0" err="1"/>
-              <a:t>bahasa</a:t>
-            </a:r>
-            <a:r>
-              <a:rPr lang="en-US" sz="2400" dirty="0"/>
-              <a:t> </a:t>
-            </a:r>
-            <a:r>
-              <a:rPr lang="en-US" sz="2400" dirty="0" err="1"/>
-              <a:t>komputer</a:t>
-            </a:r>
-            <a:r>
-              <a:rPr lang="en-US" sz="2400" dirty="0"/>
-              <a:t> yang </a:t>
-            </a:r>
-            <a:r>
-              <a:rPr lang="en-US" sz="2400" dirty="0" err="1"/>
-              <a:t>digunakan</a:t>
-            </a:r>
-            <a:r>
-              <a:rPr lang="en-US" sz="2400" dirty="0"/>
-              <a:t> </a:t>
-            </a:r>
-            <a:r>
-              <a:rPr lang="en-US" sz="2400" dirty="0" err="1"/>
-              <a:t>untuk</a:t>
-            </a:r>
-            <a:r>
-              <a:rPr lang="en-US" sz="2400" dirty="0"/>
-              <a:t> </a:t>
-            </a:r>
-            <a:r>
-              <a:rPr lang="en-US" sz="2400" dirty="0" err="1"/>
-              <a:t>membuat</a:t>
-            </a:r>
-            <a:r>
-              <a:rPr lang="en-US" sz="2400" dirty="0"/>
-              <a:t> dan </a:t>
-            </a:r>
-            <a:r>
-              <a:rPr lang="en-US" sz="2400" dirty="0" err="1"/>
-              <a:t>merancang</a:t>
-            </a:r>
-            <a:r>
-              <a:rPr lang="en-US" sz="2400" dirty="0"/>
-              <a:t> </a:t>
-            </a:r>
-            <a:r>
-              <a:rPr lang="en-US" sz="2400" dirty="0" err="1"/>
-              <a:t>struktur</a:t>
-            </a:r>
-            <a:r>
-              <a:rPr lang="en-US" sz="2400" dirty="0"/>
-              <a:t> pada </a:t>
-            </a:r>
-            <a:r>
-              <a:rPr lang="en-US" sz="2400" dirty="0" err="1"/>
-              <a:t>sebuah</a:t>
-            </a:r>
-            <a:r>
-              <a:rPr lang="en-US" sz="2400" dirty="0"/>
-              <a:t> </a:t>
-            </a:r>
-            <a:r>
-              <a:rPr lang="en-US" sz="2400" dirty="0" err="1"/>
-              <a:t>tampilan</a:t>
-            </a:r>
-            <a:r>
-              <a:rPr lang="en-US" sz="2400" dirty="0"/>
-              <a:t> </a:t>
-            </a:r>
-            <a:r>
-              <a:rPr lang="en-US" sz="2400" dirty="0" err="1"/>
-              <a:t>contohnya</a:t>
-            </a:r>
-            <a:r>
-              <a:rPr lang="en-US" sz="2400" dirty="0"/>
-              <a:t> </a:t>
-            </a:r>
-            <a:r>
-              <a:rPr lang="en-US" sz="2400" dirty="0" err="1"/>
-              <a:t>halaman</a:t>
-            </a:r>
-            <a:r>
-              <a:rPr lang="en-US" sz="2400" dirty="0"/>
-              <a:t> website. </a:t>
-            </a:r>
-          </a:p>
-        </p:txBody>
-      </p:sp>
-      <p:sp>
-        <p:nvSpPr>
-          <p:cNvPr id="11" name="TextBox 10">
-            <a:extLst>
-              <a:ext uri="{FF2B5EF4-FFF2-40B4-BE49-F238E27FC236}">
-                <a16:creationId xmlns:a16="http://schemas.microsoft.com/office/drawing/2014/main" id="{4E8DBB4F-F870-4F61-A8F5-5EAA5B34BA13}"/>
+            <a:r>
+              <a:rPr lang="en-US" sz="3600" dirty="0"/>
+              <a:t>https://github.com/RizkiDesu/pemograman-dasar</a:t>
+            </a:r>
+          </a:p>
+        </p:txBody>
+      </p:sp>
+      <p:sp>
+        <p:nvSpPr>
+          <p:cNvPr id="3" name="TextBox 2">
+            <a:extLst>
+              <a:ext uri="{FF2B5EF4-FFF2-40B4-BE49-F238E27FC236}">
+                <a16:creationId xmlns:a16="http://schemas.microsoft.com/office/drawing/2014/main" id="{F0BBBF72-C6FC-4CDA-8244-4B4DBF38A1DF}"/>
               </a:ext>
             </a:extLst>
           </p:cNvPr>
@@ -3957,8 +3866,8 @@
         </p:nvSpPr>
         <p:spPr>
           <a:xfrm>
-            <a:off x="908050" y="2126734"/>
-            <a:ext cx="1479550" cy="584775"/>
+            <a:off x="1092200" y="1993900"/>
+            <a:ext cx="4826000" cy="646331"/>
           </a:xfrm>
           <a:prstGeom prst="rect">
             <a:avLst/>
@@ -3966,14 +3875,14 @@
           <a:noFill/>
         </p:spPr>
         <p:txBody>
-          <a:bodyPr wrap="square">
+          <a:bodyPr wrap="square" rtlCol="0">
             <a:spAutoFit/>
           </a:bodyPr>
           <a:lstStyle/>
           <a:p>
             <a:r>
-              <a:rPr lang="en-US" sz="3200" b="1" dirty="0"/>
-              <a:t>HTML</a:t>
+              <a:rPr lang="en-US" sz="3600" b="1" dirty="0"/>
+              <a:t>UNDUH BAHAN NYA DI</a:t>
             </a:r>
           </a:p>
         </p:txBody>
@@ -3981,7 +3890,7 @@
     </p:spTree>
     <p:extLst>
       <p:ext uri="{BB962C8B-B14F-4D97-AF65-F5344CB8AC3E}">
-        <p14:creationId xmlns:p14="http://schemas.microsoft.com/office/powerpoint/2010/main" val="1681664363"/>
+        <p14:creationId xmlns:p14="http://schemas.microsoft.com/office/powerpoint/2010/main" val="3920192928"/>
       </p:ext>
     </p:extLst>
   </p:cSld>
@@ -4010,10 +3919,10 @@
       </p:grpSpPr>
       <p:sp>
         <p:nvSpPr>
-          <p:cNvPr id="2" name="TextBox 1">
-            <a:extLst>
-              <a:ext uri="{FF2B5EF4-FFF2-40B4-BE49-F238E27FC236}">
-                <a16:creationId xmlns:a16="http://schemas.microsoft.com/office/drawing/2014/main" id="{4A7C8C05-7C26-452A-B7F6-62035A2D936E}"/>
+          <p:cNvPr id="6" name="TextBox 5">
+            <a:extLst>
+              <a:ext uri="{FF2B5EF4-FFF2-40B4-BE49-F238E27FC236}">
+                <a16:creationId xmlns:a16="http://schemas.microsoft.com/office/drawing/2014/main" id="{85DD23ED-6D25-4D03-B99B-0ED50D5565B5}"/>
               </a:ext>
             </a:extLst>
           </p:cNvPr>
@@ -4022,8 +3931,8 @@
         </p:nvSpPr>
         <p:spPr>
           <a:xfrm>
-            <a:off x="3479800" y="2895600"/>
-            <a:ext cx="5041900" cy="646331"/>
+            <a:off x="1143000" y="2711509"/>
+            <a:ext cx="9906000" cy="1200329"/>
           </a:xfrm>
           <a:prstGeom prst="rect">
             <a:avLst/>
@@ -4031,23 +3940,154 @@
           <a:noFill/>
         </p:spPr>
         <p:txBody>
-          <a:bodyPr wrap="square" rtlCol="0">
+          <a:bodyPr wrap="square">
             <a:spAutoFit/>
           </a:bodyPr>
           <a:lstStyle/>
           <a:p>
-            <a:r>
-              <a:rPr lang="en-US" sz="3600" dirty="0" err="1"/>
-              <a:t>Praktik</a:t>
-            </a:r>
-            <a:endParaRPr lang="en-US" sz="3600" dirty="0"/>
+            <a:pPr algn="just"/>
+            <a:r>
+              <a:rPr lang="en-US" sz="2400" dirty="0"/>
+              <a:t>HTML (Hypertext Markup Language) </a:t>
+            </a:r>
+            <a:r>
+              <a:rPr lang="en-US" sz="2400" dirty="0" err="1"/>
+              <a:t>adalah</a:t>
+            </a:r>
+            <a:r>
+              <a:rPr lang="en-US" sz="2400" dirty="0"/>
+              <a:t> </a:t>
+            </a:r>
+            <a:r>
+              <a:rPr lang="en-US" sz="2400" dirty="0" err="1"/>
+              <a:t>bahasa</a:t>
+            </a:r>
+            <a:r>
+              <a:rPr lang="en-US" sz="2400" dirty="0"/>
+              <a:t> </a:t>
+            </a:r>
+            <a:r>
+              <a:rPr lang="en-US" sz="2400" dirty="0" err="1"/>
+              <a:t>komputer</a:t>
+            </a:r>
+            <a:r>
+              <a:rPr lang="en-US" sz="2400" dirty="0"/>
+              <a:t> yang </a:t>
+            </a:r>
+            <a:r>
+              <a:rPr lang="en-US" sz="2400" dirty="0" err="1"/>
+              <a:t>digunakan</a:t>
+            </a:r>
+            <a:r>
+              <a:rPr lang="en-US" sz="2400" dirty="0"/>
+              <a:t> </a:t>
+            </a:r>
+            <a:r>
+              <a:rPr lang="en-US" sz="2400" dirty="0" err="1"/>
+              <a:t>untuk</a:t>
+            </a:r>
+            <a:r>
+              <a:rPr lang="en-US" sz="2400" dirty="0"/>
+              <a:t> </a:t>
+            </a:r>
+            <a:r>
+              <a:rPr lang="en-US" sz="2400" dirty="0" err="1"/>
+              <a:t>membuat</a:t>
+            </a:r>
+            <a:r>
+              <a:rPr lang="en-US" sz="2400" dirty="0"/>
+              <a:t> dan </a:t>
+            </a:r>
+            <a:r>
+              <a:rPr lang="en-US" sz="2400" dirty="0" err="1"/>
+              <a:t>merancang</a:t>
+            </a:r>
+            <a:r>
+              <a:rPr lang="en-US" sz="2400" dirty="0"/>
+              <a:t> </a:t>
+            </a:r>
+            <a:r>
+              <a:rPr lang="en-US" sz="2400" dirty="0" err="1"/>
+              <a:t>struktur</a:t>
+            </a:r>
+            <a:r>
+              <a:rPr lang="en-US" sz="2400" dirty="0"/>
+              <a:t> pada </a:t>
+            </a:r>
+            <a:r>
+              <a:rPr lang="en-US" sz="2400" dirty="0" err="1"/>
+              <a:t>sebuah</a:t>
+            </a:r>
+            <a:r>
+              <a:rPr lang="en-US" sz="2400" dirty="0"/>
+              <a:t> </a:t>
+            </a:r>
+            <a:r>
+              <a:rPr lang="en-US" sz="2400" dirty="0" err="1"/>
+              <a:t>tampilan</a:t>
+            </a:r>
+            <a:r>
+              <a:rPr lang="en-US" sz="2400" dirty="0"/>
+              <a:t> </a:t>
+            </a:r>
+            <a:r>
+              <a:rPr lang="en-US" sz="2400" dirty="0" err="1"/>
+              <a:t>contohnya</a:t>
+            </a:r>
+            <a:r>
+              <a:rPr lang="en-US" sz="2400" dirty="0"/>
+              <a:t> </a:t>
+            </a:r>
+            <a:r>
+              <a:rPr lang="en-US" sz="2400" dirty="0" err="1"/>
+              <a:t>halaman</a:t>
+            </a:r>
+            <a:r>
+              <a:rPr lang="en-US" sz="2400" dirty="0"/>
+              <a:t> website. </a:t>
+            </a:r>
+          </a:p>
+        </p:txBody>
+      </p:sp>
+      <p:sp>
+        <p:nvSpPr>
+          <p:cNvPr id="11" name="TextBox 10">
+            <a:extLst>
+              <a:ext uri="{FF2B5EF4-FFF2-40B4-BE49-F238E27FC236}">
+                <a16:creationId xmlns:a16="http://schemas.microsoft.com/office/drawing/2014/main" id="{4E8DBB4F-F870-4F61-A8F5-5EAA5B34BA13}"/>
+              </a:ext>
+            </a:extLst>
+          </p:cNvPr>
+          <p:cNvSpPr txBox="1"/>
+          <p:nvPr/>
+        </p:nvSpPr>
+        <p:spPr>
+          <a:xfrm>
+            <a:off x="908050" y="2126734"/>
+            <a:ext cx="1479550" cy="584775"/>
+          </a:xfrm>
+          <a:prstGeom prst="rect">
+            <a:avLst/>
+          </a:prstGeom>
+          <a:noFill/>
+        </p:spPr>
+        <p:txBody>
+          <a:bodyPr wrap="square">
+            <a:spAutoFit/>
+          </a:bodyPr>
+          <a:lstStyle/>
+          <a:p>
+            <a:r>
+              <a:rPr lang="en-US" sz="3200" b="1" dirty="0"/>
+              <a:t>HTML</a:t>
+            </a:r>
           </a:p>
         </p:txBody>
       </p:sp>
     </p:spTree>
     <p:extLst>
       <p:ext uri="{BB962C8B-B14F-4D97-AF65-F5344CB8AC3E}">
-        <p14:creationId xmlns:p14="http://schemas.microsoft.com/office/powerpoint/2010/main" val="2649395352"/>
+        <p14:creationId xmlns:p14="http://schemas.microsoft.com/office/powerpoint/2010/main" val="1681664363"/>
       </p:ext>
     </p:extLst>
   </p:cSld>
@@ -4076,10 +4116,10 @@
       </p:grpSpPr>
       <p:sp>
         <p:nvSpPr>
-          <p:cNvPr id="6" name="TextBox 5">
-            <a:extLst>
-              <a:ext uri="{FF2B5EF4-FFF2-40B4-BE49-F238E27FC236}">
-                <a16:creationId xmlns:a16="http://schemas.microsoft.com/office/drawing/2014/main" id="{85DD23ED-6D25-4D03-B99B-0ED50D5565B5}"/>
+          <p:cNvPr id="2" name="TextBox 1">
+            <a:extLst>
+              <a:ext uri="{FF2B5EF4-FFF2-40B4-BE49-F238E27FC236}">
+                <a16:creationId xmlns:a16="http://schemas.microsoft.com/office/drawing/2014/main" id="{4A7C8C05-7C26-452A-B7F6-62035A2D936E}"/>
               </a:ext>
             </a:extLst>
           </p:cNvPr>
@@ -4088,8 +4128,8 @@
         </p:nvSpPr>
         <p:spPr>
           <a:xfrm>
-            <a:off x="1143000" y="2203509"/>
-            <a:ext cx="9906000" cy="2308324"/>
+            <a:off x="3479800" y="2895600"/>
+            <a:ext cx="5041900" cy="646331"/>
           </a:xfrm>
           <a:prstGeom prst="rect">
             <a:avLst/>
@@ -4097,362 +4137,23 @@
           <a:noFill/>
         </p:spPr>
         <p:txBody>
-          <a:bodyPr wrap="square">
+          <a:bodyPr wrap="square" rtlCol="0">
             <a:spAutoFit/>
           </a:bodyPr>
           <a:lstStyle/>
           <a:p>
-            <a:pPr algn="just"/>
-            <a:r>
-              <a:rPr lang="en-US" sz="2400" dirty="0"/>
-              <a:t>JavaScript </a:t>
-            </a:r>
-            <a:r>
-              <a:rPr lang="en-US" sz="2400" dirty="0" err="1"/>
-              <a:t>adalah</a:t>
-            </a:r>
-            <a:r>
-              <a:rPr lang="en-US" sz="2400" dirty="0"/>
-              <a:t> </a:t>
-            </a:r>
-            <a:r>
-              <a:rPr lang="en-US" sz="2400" dirty="0" err="1"/>
-              <a:t>bahasa</a:t>
-            </a:r>
-            <a:r>
-              <a:rPr lang="en-US" sz="2400" dirty="0"/>
-              <a:t> </a:t>
-            </a:r>
-            <a:r>
-              <a:rPr lang="en-US" sz="2400" dirty="0" err="1"/>
-              <a:t>pemrograman</a:t>
-            </a:r>
-            <a:r>
-              <a:rPr lang="en-US" sz="2400" dirty="0"/>
-              <a:t> yang </a:t>
-            </a:r>
-            <a:r>
-              <a:rPr lang="en-US" sz="2400" dirty="0" err="1"/>
-              <a:t>sering</a:t>
-            </a:r>
-            <a:r>
-              <a:rPr lang="en-US" sz="2400" dirty="0"/>
-              <a:t> </a:t>
-            </a:r>
-            <a:r>
-              <a:rPr lang="en-US" sz="2400" dirty="0" err="1"/>
-              <a:t>digunakan</a:t>
-            </a:r>
-            <a:r>
-              <a:rPr lang="en-US" sz="2400" dirty="0"/>
-              <a:t> </a:t>
-            </a:r>
-            <a:r>
-              <a:rPr lang="en-US" sz="2400" dirty="0" err="1"/>
-              <a:t>untuk</a:t>
-            </a:r>
-            <a:r>
-              <a:rPr lang="en-US" sz="2400" dirty="0"/>
-              <a:t> </a:t>
-            </a:r>
-            <a:r>
-              <a:rPr lang="en-US" sz="2400" dirty="0" err="1"/>
-              <a:t>mengembangkan</a:t>
-            </a:r>
-            <a:r>
-              <a:rPr lang="en-US" sz="2400" dirty="0"/>
-              <a:t> </a:t>
-            </a:r>
-            <a:r>
-              <a:rPr lang="en-US" sz="2400" dirty="0" err="1"/>
-              <a:t>aplikasi</a:t>
-            </a:r>
-            <a:r>
-              <a:rPr lang="en-US" sz="2400" dirty="0"/>
-              <a:t> web. </a:t>
-            </a:r>
-            <a:r>
-              <a:rPr lang="en-US" sz="2400" dirty="0" err="1"/>
-              <a:t>Meskipun</a:t>
-            </a:r>
-            <a:r>
-              <a:rPr lang="en-US" sz="2400" dirty="0"/>
-              <a:t> </a:t>
-            </a:r>
-            <a:r>
-              <a:rPr lang="en-US" sz="2400" dirty="0" err="1"/>
-              <a:t>awalnya</a:t>
-            </a:r>
-            <a:r>
-              <a:rPr lang="en-US" sz="2400" dirty="0"/>
-              <a:t> </a:t>
-            </a:r>
-            <a:r>
-              <a:rPr lang="en-US" sz="2400" dirty="0" err="1"/>
-              <a:t>diciptakan</a:t>
-            </a:r>
-            <a:r>
-              <a:rPr lang="en-US" sz="2400" dirty="0"/>
-              <a:t> </a:t>
-            </a:r>
-            <a:r>
-              <a:rPr lang="en-US" sz="2400" dirty="0" err="1"/>
-              <a:t>untuk</a:t>
-            </a:r>
-            <a:r>
-              <a:rPr lang="en-US" sz="2400" dirty="0"/>
-              <a:t> </a:t>
-            </a:r>
-            <a:r>
-              <a:rPr lang="en-US" sz="2400" dirty="0" err="1"/>
-              <a:t>memperindah</a:t>
-            </a:r>
-            <a:r>
-              <a:rPr lang="en-US" sz="2400" dirty="0"/>
-              <a:t> </a:t>
-            </a:r>
-            <a:r>
-              <a:rPr lang="en-US" sz="2400" dirty="0" err="1"/>
-              <a:t>tampilan</a:t>
-            </a:r>
-            <a:r>
-              <a:rPr lang="en-US" sz="2400" dirty="0"/>
-              <a:t> </a:t>
-            </a:r>
-            <a:r>
-              <a:rPr lang="en-US" sz="2400" dirty="0" err="1"/>
-              <a:t>halaman</a:t>
-            </a:r>
-            <a:r>
-              <a:rPr lang="en-US" sz="2400" dirty="0"/>
-              <a:t> web, </a:t>
-            </a:r>
-            <a:r>
-              <a:rPr lang="en-US" sz="2400" dirty="0" err="1"/>
-              <a:t>Sekarang</a:t>
-            </a:r>
-            <a:r>
-              <a:rPr lang="en-US" sz="2400" dirty="0"/>
-              <a:t> JavaScript </a:t>
-            </a:r>
-            <a:r>
-              <a:rPr lang="en-US" sz="2400" dirty="0" err="1"/>
-              <a:t>telah</a:t>
-            </a:r>
-            <a:r>
-              <a:rPr lang="en-US" sz="2400" dirty="0"/>
-              <a:t> </a:t>
-            </a:r>
-            <a:r>
-              <a:rPr lang="en-US" sz="2400" dirty="0" err="1"/>
-              <a:t>berkembang</a:t>
-            </a:r>
-            <a:r>
-              <a:rPr lang="en-US" sz="2400" dirty="0"/>
-              <a:t> </a:t>
-            </a:r>
-            <a:r>
-              <a:rPr lang="en-US" sz="2400" dirty="0" err="1"/>
-              <a:t>menjadi</a:t>
-            </a:r>
-            <a:r>
-              <a:rPr lang="en-US" sz="2400" dirty="0"/>
-              <a:t> salah </a:t>
-            </a:r>
-            <a:r>
-              <a:rPr lang="en-US" sz="2400" dirty="0" err="1"/>
-              <a:t>satu</a:t>
-            </a:r>
-            <a:r>
-              <a:rPr lang="en-US" sz="2400" dirty="0"/>
-              <a:t> </a:t>
-            </a:r>
-            <a:r>
-              <a:rPr lang="en-US" sz="2400" dirty="0" err="1"/>
-              <a:t>bahasa</a:t>
-            </a:r>
-            <a:r>
-              <a:rPr lang="en-US" sz="2400" dirty="0"/>
-              <a:t> </a:t>
-            </a:r>
-            <a:r>
-              <a:rPr lang="en-US" sz="2400" dirty="0" err="1"/>
-              <a:t>pemrograman</a:t>
-            </a:r>
-            <a:r>
-              <a:rPr lang="en-US" sz="2400" dirty="0"/>
-              <a:t> yang paling </a:t>
-            </a:r>
-            <a:r>
-              <a:rPr lang="en-US" sz="2400" dirty="0" err="1"/>
-              <a:t>populer</a:t>
-            </a:r>
-            <a:r>
-              <a:rPr lang="en-US" sz="2400" dirty="0"/>
-              <a:t> dan </a:t>
-            </a:r>
-            <a:r>
-              <a:rPr lang="en-US" sz="2400" dirty="0" err="1"/>
-              <a:t>serbaguna</a:t>
-            </a:r>
-            <a:r>
-              <a:rPr lang="en-US" sz="2400" dirty="0"/>
-              <a:t> di dunia. </a:t>
-            </a:r>
-            <a:r>
-              <a:rPr lang="en-US" sz="2400" dirty="0" err="1"/>
-              <a:t>Ia</a:t>
-            </a:r>
-            <a:r>
-              <a:rPr lang="en-US" sz="2400" dirty="0"/>
-              <a:t> </a:t>
-            </a:r>
-            <a:r>
-              <a:rPr lang="en-US" sz="2400" dirty="0" err="1"/>
-              <a:t>dapat</a:t>
-            </a:r>
-            <a:r>
-              <a:rPr lang="en-US" sz="2400" dirty="0"/>
-              <a:t> </a:t>
-            </a:r>
-            <a:r>
-              <a:rPr lang="en-US" sz="2400" dirty="0" err="1"/>
-              <a:t>digunakan</a:t>
-            </a:r>
-            <a:r>
-              <a:rPr lang="en-US" sz="2400" dirty="0"/>
-              <a:t> </a:t>
-            </a:r>
-            <a:r>
-              <a:rPr lang="en-US" sz="2400" dirty="0" err="1"/>
-              <a:t>untuk</a:t>
-            </a:r>
-            <a:r>
-              <a:rPr lang="en-US" sz="2400" dirty="0"/>
-              <a:t> </a:t>
-            </a:r>
-            <a:r>
-              <a:rPr lang="en-US" sz="2400" dirty="0" err="1"/>
-              <a:t>membuat</a:t>
-            </a:r>
-            <a:r>
-              <a:rPr lang="en-US" sz="2400" dirty="0"/>
-              <a:t> </a:t>
-            </a:r>
-            <a:r>
-              <a:rPr lang="en-US" sz="2400" dirty="0" err="1"/>
-              <a:t>berbagai</a:t>
-            </a:r>
-            <a:r>
-              <a:rPr lang="en-US" sz="2400" dirty="0"/>
-              <a:t> </a:t>
-            </a:r>
-            <a:r>
-              <a:rPr lang="en-US" sz="2400" dirty="0" err="1"/>
-              <a:t>jenis</a:t>
-            </a:r>
-            <a:r>
-              <a:rPr lang="en-US" sz="2400" dirty="0"/>
-              <a:t> </a:t>
-            </a:r>
-            <a:r>
-              <a:rPr lang="en-US" sz="2400" dirty="0" err="1"/>
-              <a:t>aplikasi</a:t>
-            </a:r>
-            <a:r>
-              <a:rPr lang="en-US" sz="2400" dirty="0"/>
-              <a:t>, </a:t>
-            </a:r>
-            <a:r>
-              <a:rPr lang="en-US" sz="2400" dirty="0" err="1"/>
-              <a:t>termasuk</a:t>
-            </a:r>
-            <a:r>
-              <a:rPr lang="en-US" sz="2400" dirty="0"/>
-              <a:t> </a:t>
-            </a:r>
-            <a:r>
-              <a:rPr lang="en-US" sz="2400" dirty="0" err="1"/>
-              <a:t>aplikasi</a:t>
-            </a:r>
-            <a:r>
-              <a:rPr lang="en-US" sz="2400" dirty="0"/>
-              <a:t> web, </a:t>
-            </a:r>
-            <a:r>
-              <a:rPr lang="en-US" sz="2400" dirty="0" err="1"/>
-              <a:t>permainan</a:t>
-            </a:r>
-            <a:r>
-              <a:rPr lang="en-US" sz="2400" dirty="0"/>
-              <a:t>, </a:t>
-            </a:r>
-            <a:r>
-              <a:rPr lang="en-US" sz="2400" dirty="0" err="1"/>
-              <a:t>aplikasi</a:t>
-            </a:r>
-            <a:r>
-              <a:rPr lang="en-US" sz="2400" dirty="0"/>
-              <a:t> mobile, dan </a:t>
-            </a:r>
-            <a:r>
-              <a:rPr lang="en-US" sz="2400" dirty="0" err="1"/>
-              <a:t>banyak</a:t>
-            </a:r>
-            <a:r>
-              <a:rPr lang="en-US" sz="2400" dirty="0"/>
-              <a:t> </a:t>
-            </a:r>
-            <a:r>
-              <a:rPr lang="en-US" sz="2400" dirty="0" err="1"/>
-              <a:t>lagi</a:t>
-            </a:r>
-            <a:r>
-              <a:rPr lang="en-US" sz="2400" dirty="0"/>
-              <a:t>.</a:t>
-            </a:r>
-          </a:p>
-        </p:txBody>
-      </p:sp>
-      <p:sp>
-        <p:nvSpPr>
-          <p:cNvPr id="11" name="TextBox 10">
-            <a:extLst>
-              <a:ext uri="{FF2B5EF4-FFF2-40B4-BE49-F238E27FC236}">
-                <a16:creationId xmlns:a16="http://schemas.microsoft.com/office/drawing/2014/main" id="{4E8DBB4F-F870-4F61-A8F5-5EAA5B34BA13}"/>
-              </a:ext>
-            </a:extLst>
-          </p:cNvPr>
-          <p:cNvSpPr txBox="1"/>
-          <p:nvPr/>
-        </p:nvSpPr>
-        <p:spPr>
-          <a:xfrm>
-            <a:off x="908050" y="1618734"/>
-            <a:ext cx="2419350" cy="584775"/>
-          </a:xfrm>
-          <a:prstGeom prst="rect">
-            <a:avLst/>
-          </a:prstGeom>
-          <a:noFill/>
-        </p:spPr>
-        <p:txBody>
-          <a:bodyPr wrap="square">
-            <a:spAutoFit/>
-          </a:bodyPr>
-          <a:lstStyle/>
-          <a:p>
-            <a:r>
-              <a:rPr lang="en-US" sz="3200" b="1" dirty="0"/>
-              <a:t>JAVASCRIPT</a:t>
-            </a:r>
+            <a:r>
+              <a:rPr lang="en-US" sz="3600" dirty="0" err="1"/>
+              <a:t>Praktik</a:t>
+            </a:r>
+            <a:endParaRPr lang="en-US" sz="3600" dirty="0"/>
           </a:p>
         </p:txBody>
       </p:sp>
     </p:spTree>
     <p:extLst>
       <p:ext uri="{BB962C8B-B14F-4D97-AF65-F5344CB8AC3E}">
-        <p14:creationId xmlns:p14="http://schemas.microsoft.com/office/powerpoint/2010/main" val="2488041469"/>
+        <p14:creationId xmlns:p14="http://schemas.microsoft.com/office/powerpoint/2010/main" val="2649395352"/>
       </p:ext>
     </p:extLst>
   </p:cSld>
@@ -4481,10 +4182,10 @@
       </p:grpSpPr>
       <p:sp>
         <p:nvSpPr>
-          <p:cNvPr id="2" name="TextBox 1">
-            <a:extLst>
-              <a:ext uri="{FF2B5EF4-FFF2-40B4-BE49-F238E27FC236}">
-                <a16:creationId xmlns:a16="http://schemas.microsoft.com/office/drawing/2014/main" id="{A522587A-F567-4720-B900-25961A5CBA2F}"/>
+          <p:cNvPr id="6" name="TextBox 5">
+            <a:extLst>
+              <a:ext uri="{FF2B5EF4-FFF2-40B4-BE49-F238E27FC236}">
+                <a16:creationId xmlns:a16="http://schemas.microsoft.com/office/drawing/2014/main" id="{85DD23ED-6D25-4D03-B99B-0ED50D5565B5}"/>
               </a:ext>
             </a:extLst>
           </p:cNvPr>
@@ -4493,8 +4194,8 @@
         </p:nvSpPr>
         <p:spPr>
           <a:xfrm>
-            <a:off x="3479800" y="2895600"/>
-            <a:ext cx="5041900" cy="646331"/>
+            <a:off x="1143000" y="2203509"/>
+            <a:ext cx="9906000" cy="2308324"/>
           </a:xfrm>
           <a:prstGeom prst="rect">
             <a:avLst/>
@@ -4502,23 +4203,362 @@
           <a:noFill/>
         </p:spPr>
         <p:txBody>
-          <a:bodyPr wrap="square" rtlCol="0">
+          <a:bodyPr wrap="square">
             <a:spAutoFit/>
           </a:bodyPr>
           <a:lstStyle/>
           <a:p>
-            <a:r>
-              <a:rPr lang="en-US" sz="3600" dirty="0" err="1"/>
-              <a:t>Praktik</a:t>
-            </a:r>
-            <a:endParaRPr lang="en-US" sz="3600" dirty="0"/>
+            <a:pPr algn="just"/>
+            <a:r>
+              <a:rPr lang="en-US" sz="2400" dirty="0"/>
+              <a:t>JavaScript </a:t>
+            </a:r>
+            <a:r>
+              <a:rPr lang="en-US" sz="2400" dirty="0" err="1"/>
+              <a:t>adalah</a:t>
+            </a:r>
+            <a:r>
+              <a:rPr lang="en-US" sz="2400" dirty="0"/>
+              <a:t> </a:t>
+            </a:r>
+            <a:r>
+              <a:rPr lang="en-US" sz="2400" dirty="0" err="1"/>
+              <a:t>bahasa</a:t>
+            </a:r>
+            <a:r>
+              <a:rPr lang="en-US" sz="2400" dirty="0"/>
+              <a:t> </a:t>
+            </a:r>
+            <a:r>
+              <a:rPr lang="en-US" sz="2400" dirty="0" err="1"/>
+              <a:t>pemrograman</a:t>
+            </a:r>
+            <a:r>
+              <a:rPr lang="en-US" sz="2400" dirty="0"/>
+              <a:t> yang </a:t>
+            </a:r>
+            <a:r>
+              <a:rPr lang="en-US" sz="2400" dirty="0" err="1"/>
+              <a:t>sering</a:t>
+            </a:r>
+            <a:r>
+              <a:rPr lang="en-US" sz="2400" dirty="0"/>
+              <a:t> </a:t>
+            </a:r>
+            <a:r>
+              <a:rPr lang="en-US" sz="2400" dirty="0" err="1"/>
+              <a:t>digunakan</a:t>
+            </a:r>
+            <a:r>
+              <a:rPr lang="en-US" sz="2400" dirty="0"/>
+              <a:t> </a:t>
+            </a:r>
+            <a:r>
+              <a:rPr lang="en-US" sz="2400" dirty="0" err="1"/>
+              <a:t>untuk</a:t>
+            </a:r>
+            <a:r>
+              <a:rPr lang="en-US" sz="2400" dirty="0"/>
+              <a:t> </a:t>
+            </a:r>
+            <a:r>
+              <a:rPr lang="en-US" sz="2400" dirty="0" err="1"/>
+              <a:t>mengembangkan</a:t>
+            </a:r>
+            <a:r>
+              <a:rPr lang="en-US" sz="2400" dirty="0"/>
+              <a:t> </a:t>
+            </a:r>
+            <a:r>
+              <a:rPr lang="en-US" sz="2400" dirty="0" err="1"/>
+              <a:t>aplikasi</a:t>
+            </a:r>
+            <a:r>
+              <a:rPr lang="en-US" sz="2400" dirty="0"/>
+              <a:t> web. </a:t>
+            </a:r>
+            <a:r>
+              <a:rPr lang="en-US" sz="2400" dirty="0" err="1"/>
+              <a:t>Meskipun</a:t>
+            </a:r>
+            <a:r>
+              <a:rPr lang="en-US" sz="2400" dirty="0"/>
+              <a:t> </a:t>
+            </a:r>
+            <a:r>
+              <a:rPr lang="en-US" sz="2400" dirty="0" err="1"/>
+              <a:t>awalnya</a:t>
+            </a:r>
+            <a:r>
+              <a:rPr lang="en-US" sz="2400" dirty="0"/>
+              <a:t> </a:t>
+            </a:r>
+            <a:r>
+              <a:rPr lang="en-US" sz="2400" dirty="0" err="1"/>
+              <a:t>diciptakan</a:t>
+            </a:r>
+            <a:r>
+              <a:rPr lang="en-US" sz="2400" dirty="0"/>
+              <a:t> </a:t>
+            </a:r>
+            <a:r>
+              <a:rPr lang="en-US" sz="2400" dirty="0" err="1"/>
+              <a:t>untuk</a:t>
+            </a:r>
+            <a:r>
+              <a:rPr lang="en-US" sz="2400" dirty="0"/>
+              <a:t> </a:t>
+            </a:r>
+            <a:r>
+              <a:rPr lang="en-US" sz="2400" dirty="0" err="1"/>
+              <a:t>memperindah</a:t>
+            </a:r>
+            <a:r>
+              <a:rPr lang="en-US" sz="2400" dirty="0"/>
+              <a:t> </a:t>
+            </a:r>
+            <a:r>
+              <a:rPr lang="en-US" sz="2400" dirty="0" err="1"/>
+              <a:t>tampilan</a:t>
+            </a:r>
+            <a:r>
+              <a:rPr lang="en-US" sz="2400" dirty="0"/>
+              <a:t> </a:t>
+            </a:r>
+            <a:r>
+              <a:rPr lang="en-US" sz="2400" dirty="0" err="1"/>
+              <a:t>halaman</a:t>
+            </a:r>
+            <a:r>
+              <a:rPr lang="en-US" sz="2400" dirty="0"/>
+              <a:t> web, </a:t>
+            </a:r>
+            <a:r>
+              <a:rPr lang="en-US" sz="2400" dirty="0" err="1"/>
+              <a:t>Sekarang</a:t>
+            </a:r>
+            <a:r>
+              <a:rPr lang="en-US" sz="2400" dirty="0"/>
+              <a:t> JavaScript </a:t>
+            </a:r>
+            <a:r>
+              <a:rPr lang="en-US" sz="2400" dirty="0" err="1"/>
+              <a:t>telah</a:t>
+            </a:r>
+            <a:r>
+              <a:rPr lang="en-US" sz="2400" dirty="0"/>
+              <a:t> </a:t>
+            </a:r>
+            <a:r>
+              <a:rPr lang="en-US" sz="2400" dirty="0" err="1"/>
+              <a:t>berkembang</a:t>
+            </a:r>
+            <a:r>
+              <a:rPr lang="en-US" sz="2400" dirty="0"/>
+              <a:t> </a:t>
+            </a:r>
+            <a:r>
+              <a:rPr lang="en-US" sz="2400" dirty="0" err="1"/>
+              <a:t>menjadi</a:t>
+            </a:r>
+            <a:r>
+              <a:rPr lang="en-US" sz="2400" dirty="0"/>
+              <a:t> salah </a:t>
+            </a:r>
+            <a:r>
+              <a:rPr lang="en-US" sz="2400" dirty="0" err="1"/>
+              <a:t>satu</a:t>
+            </a:r>
+            <a:r>
+              <a:rPr lang="en-US" sz="2400" dirty="0"/>
+              <a:t> </a:t>
+            </a:r>
+            <a:r>
+              <a:rPr lang="en-US" sz="2400" dirty="0" err="1"/>
+              <a:t>bahasa</a:t>
+            </a:r>
+            <a:r>
+              <a:rPr lang="en-US" sz="2400" dirty="0"/>
+              <a:t> </a:t>
+            </a:r>
+            <a:r>
+              <a:rPr lang="en-US" sz="2400" dirty="0" err="1"/>
+              <a:t>pemrograman</a:t>
+            </a:r>
+            <a:r>
+              <a:rPr lang="en-US" sz="2400" dirty="0"/>
+              <a:t> yang paling </a:t>
+            </a:r>
+            <a:r>
+              <a:rPr lang="en-US" sz="2400" dirty="0" err="1"/>
+              <a:t>populer</a:t>
+            </a:r>
+            <a:r>
+              <a:rPr lang="en-US" sz="2400" dirty="0"/>
+              <a:t> dan </a:t>
+            </a:r>
+            <a:r>
+              <a:rPr lang="en-US" sz="2400" dirty="0" err="1"/>
+              <a:t>serbaguna</a:t>
+            </a:r>
+            <a:r>
+              <a:rPr lang="en-US" sz="2400" dirty="0"/>
+              <a:t> di dunia. </a:t>
+            </a:r>
+            <a:r>
+              <a:rPr lang="en-US" sz="2400" dirty="0" err="1"/>
+              <a:t>Ia</a:t>
+            </a:r>
+            <a:r>
+              <a:rPr lang="en-US" sz="2400" dirty="0"/>
+              <a:t> </a:t>
+            </a:r>
+            <a:r>
+              <a:rPr lang="en-US" sz="2400" dirty="0" err="1"/>
+              <a:t>dapat</a:t>
+            </a:r>
+            <a:r>
+              <a:rPr lang="en-US" sz="2400" dirty="0"/>
+              <a:t> </a:t>
+            </a:r>
+            <a:r>
+              <a:rPr lang="en-US" sz="2400" dirty="0" err="1"/>
+              <a:t>digunakan</a:t>
+            </a:r>
+            <a:r>
+              <a:rPr lang="en-US" sz="2400" dirty="0"/>
+              <a:t> </a:t>
+            </a:r>
+            <a:r>
+              <a:rPr lang="en-US" sz="2400" dirty="0" err="1"/>
+              <a:t>untuk</a:t>
+            </a:r>
+            <a:r>
+              <a:rPr lang="en-US" sz="2400" dirty="0"/>
+              <a:t> </a:t>
+            </a:r>
+            <a:r>
+              <a:rPr lang="en-US" sz="2400" dirty="0" err="1"/>
+              <a:t>membuat</a:t>
+            </a:r>
+            <a:r>
+              <a:rPr lang="en-US" sz="2400" dirty="0"/>
+              <a:t> </a:t>
+            </a:r>
+            <a:r>
+              <a:rPr lang="en-US" sz="2400" dirty="0" err="1"/>
+              <a:t>berbagai</a:t>
+            </a:r>
+            <a:r>
+              <a:rPr lang="en-US" sz="2400" dirty="0"/>
+              <a:t> </a:t>
+            </a:r>
+            <a:r>
+              <a:rPr lang="en-US" sz="2400" dirty="0" err="1"/>
+              <a:t>jenis</a:t>
+            </a:r>
+            <a:r>
+              <a:rPr lang="en-US" sz="2400" dirty="0"/>
+              <a:t> </a:t>
+            </a:r>
+            <a:r>
+              <a:rPr lang="en-US" sz="2400" dirty="0" err="1"/>
+              <a:t>aplikasi</a:t>
+            </a:r>
+            <a:r>
+              <a:rPr lang="en-US" sz="2400" dirty="0"/>
+              <a:t>, </a:t>
+            </a:r>
+            <a:r>
+              <a:rPr lang="en-US" sz="2400" dirty="0" err="1"/>
+              <a:t>termasuk</a:t>
+            </a:r>
+            <a:r>
+              <a:rPr lang="en-US" sz="2400" dirty="0"/>
+              <a:t> </a:t>
+            </a:r>
+            <a:r>
+              <a:rPr lang="en-US" sz="2400" dirty="0" err="1"/>
+              <a:t>aplikasi</a:t>
+            </a:r>
+            <a:r>
+              <a:rPr lang="en-US" sz="2400" dirty="0"/>
+              <a:t> web, </a:t>
+            </a:r>
+            <a:r>
+              <a:rPr lang="en-US" sz="2400" dirty="0" err="1"/>
+              <a:t>permainan</a:t>
+            </a:r>
+            <a:r>
+              <a:rPr lang="en-US" sz="2400" dirty="0"/>
+              <a:t>, </a:t>
+            </a:r>
+            <a:r>
+              <a:rPr lang="en-US" sz="2400" dirty="0" err="1"/>
+              <a:t>aplikasi</a:t>
+            </a:r>
+            <a:r>
+              <a:rPr lang="en-US" sz="2400" dirty="0"/>
+              <a:t> mobile, dan </a:t>
+            </a:r>
+            <a:r>
+              <a:rPr lang="en-US" sz="2400" dirty="0" err="1"/>
+              <a:t>banyak</a:t>
+            </a:r>
+            <a:r>
+              <a:rPr lang="en-US" sz="2400" dirty="0"/>
+              <a:t> </a:t>
+            </a:r>
+            <a:r>
+              <a:rPr lang="en-US" sz="2400" dirty="0" err="1"/>
+              <a:t>lagi</a:t>
+            </a:r>
+            <a:r>
+              <a:rPr lang="en-US" sz="2400" dirty="0"/>
+              <a:t>.</a:t>
+            </a:r>
+          </a:p>
+        </p:txBody>
+      </p:sp>
+      <p:sp>
+        <p:nvSpPr>
+          <p:cNvPr id="11" name="TextBox 10">
+            <a:extLst>
+              <a:ext uri="{FF2B5EF4-FFF2-40B4-BE49-F238E27FC236}">
+                <a16:creationId xmlns:a16="http://schemas.microsoft.com/office/drawing/2014/main" id="{4E8DBB4F-F870-4F61-A8F5-5EAA5B34BA13}"/>
+              </a:ext>
+            </a:extLst>
+          </p:cNvPr>
+          <p:cNvSpPr txBox="1"/>
+          <p:nvPr/>
+        </p:nvSpPr>
+        <p:spPr>
+          <a:xfrm>
+            <a:off x="908050" y="1618734"/>
+            <a:ext cx="2419350" cy="584775"/>
+          </a:xfrm>
+          <a:prstGeom prst="rect">
+            <a:avLst/>
+          </a:prstGeom>
+          <a:noFill/>
+        </p:spPr>
+        <p:txBody>
+          <a:bodyPr wrap="square">
+            <a:spAutoFit/>
+          </a:bodyPr>
+          <a:lstStyle/>
+          <a:p>
+            <a:r>
+              <a:rPr lang="en-US" sz="3200" b="1" dirty="0"/>
+              <a:t>JAVASCRIPT</a:t>
+            </a:r>
           </a:p>
         </p:txBody>
       </p:sp>
     </p:spTree>
     <p:extLst>
       <p:ext uri="{BB962C8B-B14F-4D97-AF65-F5344CB8AC3E}">
-        <p14:creationId xmlns:p14="http://schemas.microsoft.com/office/powerpoint/2010/main" val="3324042066"/>
+        <p14:creationId xmlns:p14="http://schemas.microsoft.com/office/powerpoint/2010/main" val="2488041469"/>
       </p:ext>
     </p:extLst>
   </p:cSld>
@@ -4547,6 +4587,72 @@
       </p:grpSpPr>
       <p:sp>
         <p:nvSpPr>
+          <p:cNvPr id="2" name="TextBox 1">
+            <a:extLst>
+              <a:ext uri="{FF2B5EF4-FFF2-40B4-BE49-F238E27FC236}">
+                <a16:creationId xmlns:a16="http://schemas.microsoft.com/office/drawing/2014/main" id="{A522587A-F567-4720-B900-25961A5CBA2F}"/>
+              </a:ext>
+            </a:extLst>
+          </p:cNvPr>
+          <p:cNvSpPr txBox="1"/>
+          <p:nvPr/>
+        </p:nvSpPr>
+        <p:spPr>
+          <a:xfrm>
+            <a:off x="3479800" y="2895600"/>
+            <a:ext cx="5041900" cy="646331"/>
+          </a:xfrm>
+          <a:prstGeom prst="rect">
+            <a:avLst/>
+          </a:prstGeom>
+          <a:noFill/>
+        </p:spPr>
+        <p:txBody>
+          <a:bodyPr wrap="square" rtlCol="0">
+            <a:spAutoFit/>
+          </a:bodyPr>
+          <a:lstStyle/>
+          <a:p>
+            <a:r>
+              <a:rPr lang="en-US" sz="3600" dirty="0" err="1"/>
+              <a:t>Praktik</a:t>
+            </a:r>
+            <a:endParaRPr lang="en-US" sz="3600" dirty="0"/>
+          </a:p>
+        </p:txBody>
+      </p:sp>
+    </p:spTree>
+    <p:extLst>
+      <p:ext uri="{BB962C8B-B14F-4D97-AF65-F5344CB8AC3E}">
+        <p14:creationId xmlns:p14="http://schemas.microsoft.com/office/powerpoint/2010/main" val="3324042066"/>
+      </p:ext>
+    </p:extLst>
+  </p:cSld>
+  <p:clrMapOvr>
+    <a:masterClrMapping/>
+  </p:clrMapOvr>
+</p:sld>
+</file>
+
+<file path=ppt/slides/slide8.xml><?xml version="1.0" encoding="utf-8"?>
+<p:sld xmlns:a="http://schemas.openxmlformats.org/drawingml/2006/main" xmlns:r="http://schemas.openxmlformats.org/officeDocument/2006/relationships" xmlns:p="http://schemas.openxmlformats.org/presentationml/2006/main">
+  <p:cSld>
+    <p:spTree>
+      <p:nvGrpSpPr>
+        <p:cNvPr id="1" name=""/>
+        <p:cNvGrpSpPr/>
+        <p:nvPr/>
+      </p:nvGrpSpPr>
+      <p:grpSpPr>
+        <a:xfrm>
+          <a:off x="0" y="0"/>
+          <a:ext cx="0" cy="0"/>
+          <a:chOff x="0" y="0"/>
+          <a:chExt cx="0" cy="0"/>
+        </a:xfrm>
+      </p:grpSpPr>
+      <p:sp>
+        <p:nvSpPr>
           <p:cNvPr id="6" name="TextBox 5">
             <a:extLst>
               <a:ext uri="{FF2B5EF4-FFF2-40B4-BE49-F238E27FC236}">
@@ -4695,7 +4801,7 @@
 </p:sld>
 </file>
 
-<file path=ppt/slides/slide8.xml><?xml version="1.0" encoding="utf-8"?>
+<file path=ppt/slides/slide9.xml><?xml version="1.0" encoding="utf-8"?>
 <p:sld xmlns:a="http://schemas.openxmlformats.org/drawingml/2006/main" xmlns:r="http://schemas.openxmlformats.org/officeDocument/2006/relationships" xmlns:p="http://schemas.openxmlformats.org/presentationml/2006/main">
   <p:cSld>
     <p:spTree>
